--- a/FrancisAA1.pptx
+++ b/FrancisAA1.pptx
@@ -5,24 +5,24 @@
     <p:sldMasterId id="2147483648" r:id="rId1"/>
   </p:sldMasterIdLst>
   <p:sldIdLst>
-    <p:sldId id="269" r:id="rId3"/>
-    <p:sldId id="268" r:id="rId4"/>
-    <p:sldId id="257" r:id="rId5"/>
-    <p:sldId id="271" r:id="rId6"/>
-    <p:sldId id="258" r:id="rId7"/>
-    <p:sldId id="259" r:id="rId8"/>
-    <p:sldId id="272" r:id="rId9"/>
-    <p:sldId id="260" r:id="rId10"/>
-    <p:sldId id="261" r:id="rId11"/>
-    <p:sldId id="273" r:id="rId12"/>
-    <p:sldId id="263" r:id="rId13"/>
-    <p:sldId id="262" r:id="rId14"/>
-    <p:sldId id="274" r:id="rId15"/>
-    <p:sldId id="264" r:id="rId16"/>
-    <p:sldId id="265" r:id="rId17"/>
-    <p:sldId id="276" r:id="rId18"/>
-    <p:sldId id="266" r:id="rId19"/>
-    <p:sldId id="267" r:id="rId20"/>
+    <p:sldId id="269" r:id="rId2"/>
+    <p:sldId id="268" r:id="rId3"/>
+    <p:sldId id="257" r:id="rId4"/>
+    <p:sldId id="271" r:id="rId5"/>
+    <p:sldId id="258" r:id="rId6"/>
+    <p:sldId id="259" r:id="rId7"/>
+    <p:sldId id="272" r:id="rId8"/>
+    <p:sldId id="260" r:id="rId9"/>
+    <p:sldId id="261" r:id="rId10"/>
+    <p:sldId id="273" r:id="rId11"/>
+    <p:sldId id="263" r:id="rId12"/>
+    <p:sldId id="262" r:id="rId13"/>
+    <p:sldId id="274" r:id="rId14"/>
+    <p:sldId id="264" r:id="rId15"/>
+    <p:sldId id="265" r:id="rId16"/>
+    <p:sldId id="276" r:id="rId17"/>
+    <p:sldId id="266" r:id="rId18"/>
+    <p:sldId id="267" r:id="rId19"/>
   </p:sldIdLst>
   <p:sldSz cx="12192000" cy="6858000"/>
   <p:notesSz cx="6858000" cy="9144000"/>
@@ -121,6 +121,11 @@
       </a:defRPr>
     </a:lvl9pPr>
   </p:defaultTextStyle>
+  <p:extLst>
+    <p:ext uri="{EFAFB233-063F-42B5-8137-9DF3F51BA10A}">
+      <p15:sldGuideLst xmlns:p15="http://schemas.microsoft.com/office/powerpoint/2012/main"/>
+    </p:ext>
+  </p:extLst>
 </p:presentation>
 </file>
 
@@ -255,6 +260,7 @@
           <a:p>
             <a:fld id="{63A1C593-65D0-4073-BCC9-577B9352EA97}" type="datetimeFigureOut">
               <a:rPr lang="en-US" smtClean="0"/>
+              <a:t>4/29/2021</a:t>
             </a:fld>
             <a:endParaRPr lang="en-US"/>
           </a:p>
@@ -296,6 +302,7 @@
           <a:p>
             <a:fld id="{9B618960-8005-486C-9A75-10CB2AAC16F9}" type="slidenum">
               <a:rPr lang="en-US" smtClean="0"/>
+              <a:t>‹#›</a:t>
             </a:fld>
             <a:endParaRPr lang="en-US"/>
           </a:p>
@@ -369,7 +376,6 @@
               <a:rPr lang="en-US" smtClean="0"/>
               <a:t>Click to edit Master text styles</a:t>
             </a:r>
-            <a:endParaRPr lang="en-US" smtClean="0"/>
           </a:p>
           <a:p>
             <a:pPr lvl="1"/>
@@ -377,7 +383,6 @@
               <a:rPr lang="en-US" smtClean="0"/>
               <a:t>Second level</a:t>
             </a:r>
-            <a:endParaRPr lang="en-US" smtClean="0"/>
           </a:p>
           <a:p>
             <a:pPr lvl="2"/>
@@ -385,7 +390,6 @@
               <a:rPr lang="en-US" smtClean="0"/>
               <a:t>Third level</a:t>
             </a:r>
-            <a:endParaRPr lang="en-US" smtClean="0"/>
           </a:p>
           <a:p>
             <a:pPr lvl="3"/>
@@ -393,7 +397,6 @@
               <a:rPr lang="en-US" smtClean="0"/>
               <a:t>Fourth level</a:t>
             </a:r>
-            <a:endParaRPr lang="en-US" smtClean="0"/>
           </a:p>
           <a:p>
             <a:pPr lvl="4"/>
@@ -422,6 +425,7 @@
           <a:p>
             <a:fld id="{63A1C593-65D0-4073-BCC9-577B9352EA97}" type="datetimeFigureOut">
               <a:rPr lang="en-US" smtClean="0"/>
+              <a:t>4/29/2021</a:t>
             </a:fld>
             <a:endParaRPr lang="en-US"/>
           </a:p>
@@ -463,6 +467,7 @@
           <a:p>
             <a:fld id="{9B618960-8005-486C-9A75-10CB2AAC16F9}" type="slidenum">
               <a:rPr lang="en-US" smtClean="0"/>
+              <a:t>‹#›</a:t>
             </a:fld>
             <a:endParaRPr lang="en-US"/>
           </a:p>
@@ -546,7 +551,6 @@
               <a:rPr lang="en-US" smtClean="0"/>
               <a:t>Click to edit Master text styles</a:t>
             </a:r>
-            <a:endParaRPr lang="en-US" smtClean="0"/>
           </a:p>
           <a:p>
             <a:pPr lvl="1"/>
@@ -554,7 +558,6 @@
               <a:rPr lang="en-US" smtClean="0"/>
               <a:t>Second level</a:t>
             </a:r>
-            <a:endParaRPr lang="en-US" smtClean="0"/>
           </a:p>
           <a:p>
             <a:pPr lvl="2"/>
@@ -562,7 +565,6 @@
               <a:rPr lang="en-US" smtClean="0"/>
               <a:t>Third level</a:t>
             </a:r>
-            <a:endParaRPr lang="en-US" smtClean="0"/>
           </a:p>
           <a:p>
             <a:pPr lvl="3"/>
@@ -570,7 +572,6 @@
               <a:rPr lang="en-US" smtClean="0"/>
               <a:t>Fourth level</a:t>
             </a:r>
-            <a:endParaRPr lang="en-US" smtClean="0"/>
           </a:p>
           <a:p>
             <a:pPr lvl="4"/>
@@ -599,6 +600,7 @@
           <a:p>
             <a:fld id="{63A1C593-65D0-4073-BCC9-577B9352EA97}" type="datetimeFigureOut">
               <a:rPr lang="en-US" smtClean="0"/>
+              <a:t>4/29/2021</a:t>
             </a:fld>
             <a:endParaRPr lang="en-US"/>
           </a:p>
@@ -640,6 +642,7 @@
           <a:p>
             <a:fld id="{9B618960-8005-486C-9A75-10CB2AAC16F9}" type="slidenum">
               <a:rPr lang="en-US" smtClean="0"/>
+              <a:t>‹#›</a:t>
             </a:fld>
             <a:endParaRPr lang="en-US"/>
           </a:p>
@@ -713,7 +716,6 @@
               <a:rPr lang="en-US" smtClean="0"/>
               <a:t>Click to edit Master text styles</a:t>
             </a:r>
-            <a:endParaRPr lang="en-US" smtClean="0"/>
           </a:p>
           <a:p>
             <a:pPr lvl="1"/>
@@ -721,7 +723,6 @@
               <a:rPr lang="en-US" smtClean="0"/>
               <a:t>Second level</a:t>
             </a:r>
-            <a:endParaRPr lang="en-US" smtClean="0"/>
           </a:p>
           <a:p>
             <a:pPr lvl="2"/>
@@ -729,7 +730,6 @@
               <a:rPr lang="en-US" smtClean="0"/>
               <a:t>Third level</a:t>
             </a:r>
-            <a:endParaRPr lang="en-US" smtClean="0"/>
           </a:p>
           <a:p>
             <a:pPr lvl="3"/>
@@ -737,7 +737,6 @@
               <a:rPr lang="en-US" smtClean="0"/>
               <a:t>Fourth level</a:t>
             </a:r>
-            <a:endParaRPr lang="en-US" smtClean="0"/>
           </a:p>
           <a:p>
             <a:pPr lvl="4"/>
@@ -766,6 +765,7 @@
           <a:p>
             <a:fld id="{63A1C593-65D0-4073-BCC9-577B9352EA97}" type="datetimeFigureOut">
               <a:rPr lang="en-US" smtClean="0"/>
+              <a:t>4/29/2021</a:t>
             </a:fld>
             <a:endParaRPr lang="en-US"/>
           </a:p>
@@ -807,6 +807,7 @@
           <a:p>
             <a:fld id="{9B618960-8005-486C-9A75-10CB2AAC16F9}" type="slidenum">
               <a:rPr lang="en-US" smtClean="0"/>
+              <a:t>‹#›</a:t>
             </a:fld>
             <a:endParaRPr lang="en-US"/>
           </a:p>
@@ -985,7 +986,6 @@
               <a:rPr lang="en-US" smtClean="0"/>
               <a:t>Click to edit Master text styles</a:t>
             </a:r>
-            <a:endParaRPr lang="en-US" smtClean="0"/>
           </a:p>
         </p:txBody>
       </p:sp>
@@ -1006,6 +1006,7 @@
           <a:p>
             <a:fld id="{63A1C593-65D0-4073-BCC9-577B9352EA97}" type="datetimeFigureOut">
               <a:rPr lang="en-US" smtClean="0"/>
+              <a:t>4/29/2021</a:t>
             </a:fld>
             <a:endParaRPr lang="en-US"/>
           </a:p>
@@ -1047,6 +1048,7 @@
           <a:p>
             <a:fld id="{9B618960-8005-486C-9A75-10CB2AAC16F9}" type="slidenum">
               <a:rPr lang="en-US" smtClean="0"/>
+              <a:t>‹#›</a:t>
             </a:fld>
             <a:endParaRPr lang="en-US"/>
           </a:p>
@@ -1125,7 +1127,6 @@
               <a:rPr lang="en-US" smtClean="0"/>
               <a:t>Click to edit Master text styles</a:t>
             </a:r>
-            <a:endParaRPr lang="en-US" smtClean="0"/>
           </a:p>
           <a:p>
             <a:pPr lvl="1"/>
@@ -1133,7 +1134,6 @@
               <a:rPr lang="en-US" smtClean="0"/>
               <a:t>Second level</a:t>
             </a:r>
-            <a:endParaRPr lang="en-US" smtClean="0"/>
           </a:p>
           <a:p>
             <a:pPr lvl="2"/>
@@ -1141,7 +1141,6 @@
               <a:rPr lang="en-US" smtClean="0"/>
               <a:t>Third level</a:t>
             </a:r>
-            <a:endParaRPr lang="en-US" smtClean="0"/>
           </a:p>
           <a:p>
             <a:pPr lvl="3"/>
@@ -1149,7 +1148,6 @@
               <a:rPr lang="en-US" smtClean="0"/>
               <a:t>Fourth level</a:t>
             </a:r>
-            <a:endParaRPr lang="en-US" smtClean="0"/>
           </a:p>
           <a:p>
             <a:pPr lvl="4"/>
@@ -1186,7 +1184,6 @@
               <a:rPr lang="en-US" smtClean="0"/>
               <a:t>Click to edit Master text styles</a:t>
             </a:r>
-            <a:endParaRPr lang="en-US" smtClean="0"/>
           </a:p>
           <a:p>
             <a:pPr lvl="1"/>
@@ -1194,7 +1191,6 @@
               <a:rPr lang="en-US" smtClean="0"/>
               <a:t>Second level</a:t>
             </a:r>
-            <a:endParaRPr lang="en-US" smtClean="0"/>
           </a:p>
           <a:p>
             <a:pPr lvl="2"/>
@@ -1202,7 +1198,6 @@
               <a:rPr lang="en-US" smtClean="0"/>
               <a:t>Third level</a:t>
             </a:r>
-            <a:endParaRPr lang="en-US" smtClean="0"/>
           </a:p>
           <a:p>
             <a:pPr lvl="3"/>
@@ -1210,7 +1205,6 @@
               <a:rPr lang="en-US" smtClean="0"/>
               <a:t>Fourth level</a:t>
             </a:r>
-            <a:endParaRPr lang="en-US" smtClean="0"/>
           </a:p>
           <a:p>
             <a:pPr lvl="4"/>
@@ -1239,6 +1233,7 @@
           <a:p>
             <a:fld id="{63A1C593-65D0-4073-BCC9-577B9352EA97}" type="datetimeFigureOut">
               <a:rPr lang="en-US" smtClean="0"/>
+              <a:t>4/29/2021</a:t>
             </a:fld>
             <a:endParaRPr lang="en-US"/>
           </a:p>
@@ -1280,6 +1275,7 @@
           <a:p>
             <a:fld id="{9B618960-8005-486C-9A75-10CB2AAC16F9}" type="slidenum">
               <a:rPr lang="en-US" smtClean="0"/>
+              <a:t>‹#›</a:t>
             </a:fld>
             <a:endParaRPr lang="en-US"/>
           </a:p>
@@ -1400,7 +1396,6 @@
               <a:rPr lang="en-US" smtClean="0"/>
               <a:t>Click to edit Master text styles</a:t>
             </a:r>
-            <a:endParaRPr lang="en-US" smtClean="0"/>
           </a:p>
         </p:txBody>
       </p:sp>
@@ -1429,7 +1424,6 @@
               <a:rPr lang="en-US" smtClean="0"/>
               <a:t>Click to edit Master text styles</a:t>
             </a:r>
-            <a:endParaRPr lang="en-US" smtClean="0"/>
           </a:p>
           <a:p>
             <a:pPr lvl="1"/>
@@ -1437,7 +1431,6 @@
               <a:rPr lang="en-US" smtClean="0"/>
               <a:t>Second level</a:t>
             </a:r>
-            <a:endParaRPr lang="en-US" smtClean="0"/>
           </a:p>
           <a:p>
             <a:pPr lvl="2"/>
@@ -1445,7 +1438,6 @@
               <a:rPr lang="en-US" smtClean="0"/>
               <a:t>Third level</a:t>
             </a:r>
-            <a:endParaRPr lang="en-US" smtClean="0"/>
           </a:p>
           <a:p>
             <a:pPr lvl="3"/>
@@ -1453,7 +1445,6 @@
               <a:rPr lang="en-US" smtClean="0"/>
               <a:t>Fourth level</a:t>
             </a:r>
-            <a:endParaRPr lang="en-US" smtClean="0"/>
           </a:p>
           <a:p>
             <a:pPr lvl="4"/>
@@ -1527,7 +1518,6 @@
               <a:rPr lang="en-US" smtClean="0"/>
               <a:t>Click to edit Master text styles</a:t>
             </a:r>
-            <a:endParaRPr lang="en-US" smtClean="0"/>
           </a:p>
         </p:txBody>
       </p:sp>
@@ -1556,7 +1546,6 @@
               <a:rPr lang="en-US" smtClean="0"/>
               <a:t>Click to edit Master text styles</a:t>
             </a:r>
-            <a:endParaRPr lang="en-US" smtClean="0"/>
           </a:p>
           <a:p>
             <a:pPr lvl="1"/>
@@ -1564,7 +1553,6 @@
               <a:rPr lang="en-US" smtClean="0"/>
               <a:t>Second level</a:t>
             </a:r>
-            <a:endParaRPr lang="en-US" smtClean="0"/>
           </a:p>
           <a:p>
             <a:pPr lvl="2"/>
@@ -1572,7 +1560,6 @@
               <a:rPr lang="en-US" smtClean="0"/>
               <a:t>Third level</a:t>
             </a:r>
-            <a:endParaRPr lang="en-US" smtClean="0"/>
           </a:p>
           <a:p>
             <a:pPr lvl="3"/>
@@ -1580,7 +1567,6 @@
               <a:rPr lang="en-US" smtClean="0"/>
               <a:t>Fourth level</a:t>
             </a:r>
-            <a:endParaRPr lang="en-US" smtClean="0"/>
           </a:p>
           <a:p>
             <a:pPr lvl="4"/>
@@ -1609,6 +1595,7 @@
           <a:p>
             <a:fld id="{63A1C593-65D0-4073-BCC9-577B9352EA97}" type="datetimeFigureOut">
               <a:rPr lang="en-US" smtClean="0"/>
+              <a:t>4/29/2021</a:t>
             </a:fld>
             <a:endParaRPr lang="en-US"/>
           </a:p>
@@ -1650,6 +1637,7 @@
           <a:p>
             <a:fld id="{9B618960-8005-486C-9A75-10CB2AAC16F9}" type="slidenum">
               <a:rPr lang="en-US" smtClean="0"/>
+              <a:t>‹#›</a:t>
             </a:fld>
             <a:endParaRPr lang="en-US"/>
           </a:p>
@@ -1720,6 +1708,7 @@
           <a:p>
             <a:fld id="{63A1C593-65D0-4073-BCC9-577B9352EA97}" type="datetimeFigureOut">
               <a:rPr lang="en-US" smtClean="0"/>
+              <a:t>4/29/2021</a:t>
             </a:fld>
             <a:endParaRPr lang="en-US"/>
           </a:p>
@@ -1761,6 +1750,7 @@
           <a:p>
             <a:fld id="{9B618960-8005-486C-9A75-10CB2AAC16F9}" type="slidenum">
               <a:rPr lang="en-US" smtClean="0"/>
+              <a:t>‹#›</a:t>
             </a:fld>
             <a:endParaRPr lang="en-US"/>
           </a:p>
@@ -1808,6 +1798,7 @@
           <a:p>
             <a:fld id="{63A1C593-65D0-4073-BCC9-577B9352EA97}" type="datetimeFigureOut">
               <a:rPr lang="en-US" smtClean="0"/>
+              <a:t>4/29/2021</a:t>
             </a:fld>
             <a:endParaRPr lang="en-US"/>
           </a:p>
@@ -1849,6 +1840,7 @@
           <a:p>
             <a:fld id="{9B618960-8005-486C-9A75-10CB2AAC16F9}" type="slidenum">
               <a:rPr lang="en-US" smtClean="0"/>
+              <a:t>‹#›</a:t>
             </a:fld>
             <a:endParaRPr lang="en-US"/>
           </a:p>
@@ -1964,7 +1956,6 @@
               <a:rPr lang="en-US" smtClean="0"/>
               <a:t>Click to edit Master text styles</a:t>
             </a:r>
-            <a:endParaRPr lang="en-US" smtClean="0"/>
           </a:p>
           <a:p>
             <a:pPr lvl="1"/>
@@ -1972,7 +1963,6 @@
               <a:rPr lang="en-US" smtClean="0"/>
               <a:t>Second level</a:t>
             </a:r>
-            <a:endParaRPr lang="en-US" smtClean="0"/>
           </a:p>
           <a:p>
             <a:pPr lvl="2"/>
@@ -1980,7 +1970,6 @@
               <a:rPr lang="en-US" smtClean="0"/>
               <a:t>Third level</a:t>
             </a:r>
-            <a:endParaRPr lang="en-US" smtClean="0"/>
           </a:p>
           <a:p>
             <a:pPr lvl="3"/>
@@ -1988,7 +1977,6 @@
               <a:rPr lang="en-US" smtClean="0"/>
               <a:t>Fourth level</a:t>
             </a:r>
-            <a:endParaRPr lang="en-US" smtClean="0"/>
           </a:p>
           <a:p>
             <a:pPr lvl="4"/>
@@ -2062,7 +2050,6 @@
               <a:rPr lang="en-US" smtClean="0"/>
               <a:t>Click to edit Master text styles</a:t>
             </a:r>
-            <a:endParaRPr lang="en-US" smtClean="0"/>
           </a:p>
         </p:txBody>
       </p:sp>
@@ -2083,6 +2070,7 @@
           <a:p>
             <a:fld id="{63A1C593-65D0-4073-BCC9-577B9352EA97}" type="datetimeFigureOut">
               <a:rPr lang="en-US" smtClean="0"/>
+              <a:t>4/29/2021</a:t>
             </a:fld>
             <a:endParaRPr lang="en-US"/>
           </a:p>
@@ -2124,6 +2112,7 @@
           <a:p>
             <a:fld id="{9B618960-8005-486C-9A75-10CB2AAC16F9}" type="slidenum">
               <a:rPr lang="en-US" smtClean="0"/>
+              <a:t>‹#›</a:t>
             </a:fld>
             <a:endParaRPr lang="en-US"/>
           </a:p>
@@ -2309,7 +2298,6 @@
               <a:rPr lang="en-US" smtClean="0"/>
               <a:t>Click to edit Master text styles</a:t>
             </a:r>
-            <a:endParaRPr lang="en-US" smtClean="0"/>
           </a:p>
         </p:txBody>
       </p:sp>
@@ -2330,6 +2318,7 @@
           <a:p>
             <a:fld id="{63A1C593-65D0-4073-BCC9-577B9352EA97}" type="datetimeFigureOut">
               <a:rPr lang="en-US" smtClean="0"/>
+              <a:t>4/29/2021</a:t>
             </a:fld>
             <a:endParaRPr lang="en-US"/>
           </a:p>
@@ -2371,6 +2360,7 @@
           <a:p>
             <a:fld id="{9B618960-8005-486C-9A75-10CB2AAC16F9}" type="slidenum">
               <a:rPr lang="en-US" smtClean="0"/>
+              <a:t>‹#›</a:t>
             </a:fld>
             <a:endParaRPr lang="en-US"/>
           </a:p>
@@ -2469,7 +2459,6 @@
               <a:rPr lang="en-US" smtClean="0"/>
               <a:t>Click to edit Master text styles</a:t>
             </a:r>
-            <a:endParaRPr lang="en-US" smtClean="0"/>
           </a:p>
           <a:p>
             <a:pPr lvl="1"/>
@@ -2477,7 +2466,6 @@
               <a:rPr lang="en-US" smtClean="0"/>
               <a:t>Second level</a:t>
             </a:r>
-            <a:endParaRPr lang="en-US" smtClean="0"/>
           </a:p>
           <a:p>
             <a:pPr lvl="2"/>
@@ -2485,7 +2473,6 @@
               <a:rPr lang="en-US" smtClean="0"/>
               <a:t>Third level</a:t>
             </a:r>
-            <a:endParaRPr lang="en-US" smtClean="0"/>
           </a:p>
           <a:p>
             <a:pPr lvl="3"/>
@@ -2493,7 +2480,6 @@
               <a:rPr lang="en-US" smtClean="0"/>
               <a:t>Fourth level</a:t>
             </a:r>
-            <a:endParaRPr lang="en-US" smtClean="0"/>
           </a:p>
           <a:p>
             <a:pPr lvl="4"/>
@@ -2540,6 +2526,7 @@
           <a:p>
             <a:fld id="{63A1C593-65D0-4073-BCC9-577B9352EA97}" type="datetimeFigureOut">
               <a:rPr lang="en-US" smtClean="0"/>
+              <a:t>4/29/2021</a:t>
             </a:fld>
             <a:endParaRPr lang="en-US"/>
           </a:p>
@@ -2617,6 +2604,7 @@
           <a:p>
             <a:fld id="{9B618960-8005-486C-9A75-10CB2AAC16F9}" type="slidenum">
               <a:rPr lang="en-US" smtClean="0"/>
+              <a:t>‹#›</a:t>
             </a:fld>
             <a:endParaRPr lang="en-US"/>
           </a:p>
@@ -2935,7 +2923,14 @@
         <p:cNvGrpSpPr/>
         <p:nvPr/>
       </p:nvGrpSpPr>
-      <p:grpSpPr/>
+      <p:grpSpPr>
+        <a:xfrm>
+          <a:off x="0" y="0"/>
+          <a:ext cx="0" cy="0"/>
+          <a:chOff x="0" y="0"/>
+          <a:chExt cx="0" cy="0"/>
+        </a:xfrm>
+      </p:grpSpPr>
       <p:sp>
         <p:nvSpPr>
           <p:cNvPr id="4" name="Title 3"/>
@@ -2960,6 +2955,7 @@
               <a:lightRig rig="threePt" dir="t"/>
             </a:scene3d>
           </a:bodyPr>
+          <a:lstStyle/>
           <a:p>
             <a:r>
               <a:rPr lang="en-US">
@@ -3056,6 +3052,37 @@
                 <a:sym typeface="+mn-ea"/>
               </a:rPr>
               <a:t>+bx+c=0</a:t>
+            </a:r>
+            <a:r>
+              <a:rPr lang="en-US">
+                <a:ln w="12700">
+                  <a:solidFill>
+                    <a:schemeClr val="tx2">
+                      <a:lumMod val="75000"/>
+                    </a:schemeClr>
+                  </a:solidFill>
+                  <a:prstDash val="solid"/>
+                </a:ln>
+                <a:pattFill prst="dkUpDiag">
+                  <a:fgClr>
+                    <a:schemeClr val="tx2"/>
+                  </a:fgClr>
+                  <a:bgClr>
+                    <a:schemeClr val="tx2">
+                      <a:lumMod val="20000"/>
+                      <a:lumOff val="80000"/>
+                    </a:schemeClr>
+                  </a:bgClr>
+                </a:pattFill>
+                <a:effectLst>
+                  <a:outerShdw dist="38100" dir="2640000" algn="bl" rotWithShape="0">
+                    <a:schemeClr val="tx2">
+                      <a:lumMod val="75000"/>
+                    </a:schemeClr>
+                  </a:outerShdw>
+                </a:effectLst>
+              </a:rPr>
+              <a:t/>
             </a:r>
             <a:br>
               <a:rPr lang="en-US">
@@ -3135,7 +3162,14 @@
         <p:cNvGrpSpPr/>
         <p:nvPr/>
       </p:nvGrpSpPr>
-      <p:grpSpPr/>
+      <p:grpSpPr>
+        <a:xfrm>
+          <a:off x="0" y="0"/>
+          <a:ext cx="0" cy="0"/>
+          <a:chOff x="0" y="0"/>
+          <a:chExt cx="0" cy="0"/>
+        </a:xfrm>
+      </p:grpSpPr>
       <p:sp>
         <p:nvSpPr>
           <p:cNvPr id="4" name="Title 3"/>
@@ -3159,6 +3193,7 @@
               <a:lightRig rig="threePt" dir="t"/>
             </a:scene3d>
           </a:bodyPr>
+          <a:lstStyle/>
           <a:p>
             <a:r>
               <a:rPr lang="en-US">
@@ -3191,34 +3226,6 @@
               </a:rPr>
               <a:t>Alogorithm to find the GCD of two numbers</a:t>
             </a:r>
-            <a:endParaRPr lang="en-US">
-              <a:ln w="12700">
-                <a:solidFill>
-                  <a:schemeClr val="tx2">
-                    <a:lumMod val="75000"/>
-                  </a:schemeClr>
-                </a:solidFill>
-                <a:prstDash val="solid"/>
-              </a:ln>
-              <a:pattFill prst="dkUpDiag">
-                <a:fgClr>
-                  <a:schemeClr val="tx2"/>
-                </a:fgClr>
-                <a:bgClr>
-                  <a:schemeClr val="tx2">
-                    <a:lumMod val="20000"/>
-                    <a:lumOff val="80000"/>
-                  </a:schemeClr>
-                </a:bgClr>
-              </a:pattFill>
-              <a:effectLst>
-                <a:outerShdw dist="38100" dir="2640000" algn="bl" rotWithShape="0">
-                  <a:schemeClr val="tx2">
-                    <a:lumMod val="75000"/>
-                  </a:schemeClr>
-                </a:outerShdw>
-              </a:effectLst>
-            </a:endParaRPr>
           </a:p>
         </p:txBody>
       </p:sp>
@@ -3239,7 +3246,14 @@
         <p:cNvGrpSpPr/>
         <p:nvPr/>
       </p:nvGrpSpPr>
-      <p:grpSpPr/>
+      <p:grpSpPr>
+        <a:xfrm>
+          <a:off x="0" y="0"/>
+          <a:ext cx="0" cy="0"/>
+          <a:chOff x="0" y="0"/>
+          <a:chExt cx="0" cy="0"/>
+        </a:xfrm>
+      </p:grpSpPr>
       <p:sp>
         <p:nvSpPr>
           <p:cNvPr id="3" name="Content Placeholder 2"/>
@@ -3272,6 +3286,7 @@
           <a:bodyPr>
             <a:normAutofit lnSpcReduction="10000"/>
           </a:bodyPr>
+          <a:lstStyle/>
           <a:p>
             <a:r>
               <a:rPr lang="en-US" sz="2800">
@@ -3280,10 +3295,6 @@
               </a:rPr>
               <a:t>INPUT number of values</a:t>
             </a:r>
-            <a:endParaRPr lang="en-US" sz="2800">
-              <a:latin typeface="Times New Roman" panose="02020603050405020304" charset="0"/>
-              <a:cs typeface="Times New Roman" panose="02020603050405020304" charset="0"/>
-            </a:endParaRPr>
           </a:p>
           <a:p>
             <a:r>
@@ -3293,10 +3304,6 @@
               </a:rPr>
               <a:t>INPUT values</a:t>
             </a:r>
-            <a:endParaRPr lang="en-US" sz="2800">
-              <a:latin typeface="Times New Roman" panose="02020603050405020304" charset="0"/>
-              <a:cs typeface="Times New Roman" panose="02020603050405020304" charset="0"/>
-            </a:endParaRPr>
           </a:p>
           <a:p>
             <a:r>
@@ -3306,10 +3313,6 @@
               </a:rPr>
               <a:t>COMPUTE values divided by first divisible prime number for any value</a:t>
             </a:r>
-            <a:endParaRPr lang="en-US" sz="2800">
-              <a:latin typeface="Times New Roman" panose="02020603050405020304" charset="0"/>
-              <a:cs typeface="Times New Roman" panose="02020603050405020304" charset="0"/>
-            </a:endParaRPr>
           </a:p>
           <a:p>
             <a:r>
@@ -3320,11 +3323,6 @@
               </a:rPr>
               <a:t>IF remainder ==1 THEN</a:t>
             </a:r>
-            <a:endParaRPr lang="en-US" sz="2800">
-              <a:latin typeface="Times New Roman" panose="02020603050405020304" charset="0"/>
-              <a:cs typeface="Times New Roman" panose="02020603050405020304" charset="0"/>
-              <a:sym typeface="+mn-ea"/>
-            </a:endParaRPr>
           </a:p>
           <a:p>
             <a:pPr marL="457200" lvl="1" indent="0">
@@ -3386,11 +3384,6 @@
               </a:rPr>
               <a:t>COMPUTE values divided by next divisible prime number</a:t>
             </a:r>
-            <a:endParaRPr lang="en-US" sz="2800">
-              <a:latin typeface="Times New Roman" panose="02020603050405020304" charset="0"/>
-              <a:cs typeface="Times New Roman" panose="02020603050405020304" charset="0"/>
-              <a:sym typeface="+mn-ea"/>
-            </a:endParaRPr>
           </a:p>
           <a:p>
             <a:pPr marL="457200" lvl="1" indent="0">
@@ -3421,11 +3414,6 @@
               </a:rPr>
               <a:t>PRINT m</a:t>
             </a:r>
-            <a:endParaRPr lang="en-US" sz="2800">
-              <a:latin typeface="Times New Roman" panose="02020603050405020304" charset="0"/>
-              <a:cs typeface="Times New Roman" panose="02020603050405020304" charset="0"/>
-              <a:sym typeface="+mn-ea"/>
-            </a:endParaRPr>
           </a:p>
           <a:p>
             <a:pPr marL="457200" lvl="1" indent="0">
@@ -3444,10 +3432,6 @@
               </a:rPr>
               <a:t>ENDIF</a:t>
             </a:r>
-            <a:endParaRPr lang="en-US" sz="2800">
-              <a:latin typeface="Times New Roman" panose="02020603050405020304" charset="0"/>
-              <a:cs typeface="Times New Roman" panose="02020603050405020304" charset="0"/>
-            </a:endParaRPr>
           </a:p>
           <a:p>
             <a:pPr marL="457200" lvl="1" indent="0">
@@ -3477,7 +3461,14 @@
         <p:cNvGrpSpPr/>
         <p:nvPr/>
       </p:nvGrpSpPr>
-      <p:grpSpPr/>
+      <p:grpSpPr>
+        <a:xfrm>
+          <a:off x="0" y="0"/>
+          <a:ext cx="0" cy="0"/>
+          <a:chOff x="0" y="0"/>
+          <a:chExt cx="0" cy="0"/>
+        </a:xfrm>
+      </p:grpSpPr>
       <p:sp>
         <p:nvSpPr>
           <p:cNvPr id="3" name="Content Placeholder 2"/>
@@ -3512,6 +3503,7 @@
         </p:spPr>
         <p:txBody>
           <a:bodyPr/>
+          <a:lstStyle/>
           <a:p>
             <a:endParaRPr lang="en-US"/>
           </a:p>
@@ -3566,13 +3558,13 @@
         </p:style>
         <p:txBody>
           <a:bodyPr rtlCol="0" anchor="ctr"/>
+          <a:lstStyle/>
           <a:p>
             <a:pPr algn="ctr"/>
             <a:r>
               <a:rPr lang="en-US"/>
               <a:t>START</a:t>
             </a:r>
-            <a:endParaRPr lang="en-US"/>
           </a:p>
         </p:txBody>
       </p:sp>
@@ -3807,13 +3799,13 @@
         </p:style>
         <p:txBody>
           <a:bodyPr rtlCol="0" anchor="ctr"/>
+          <a:lstStyle/>
           <a:p>
             <a:pPr algn="ctr"/>
             <a:r>
               <a:rPr lang="en-US"/>
               <a:t>Print m</a:t>
             </a:r>
-            <a:endParaRPr lang="en-US"/>
           </a:p>
         </p:txBody>
       </p:sp>
@@ -3866,13 +3858,13 @@
         </p:style>
         <p:txBody>
           <a:bodyPr rtlCol="0" anchor="ctr"/>
+          <a:lstStyle/>
           <a:p>
             <a:pPr algn="ctr"/>
             <a:r>
               <a:rPr lang="en-US"/>
               <a:t>Input values</a:t>
             </a:r>
-            <a:endParaRPr lang="en-US"/>
           </a:p>
         </p:txBody>
       </p:sp>
@@ -3925,13 +3917,13 @@
         </p:style>
         <p:txBody>
           <a:bodyPr rtlCol="0" anchor="ctr"/>
+          <a:lstStyle/>
           <a:p>
             <a:pPr algn="ctr"/>
             <a:r>
               <a:rPr lang="en-US"/>
               <a:t>Input number of values </a:t>
             </a:r>
-            <a:endParaRPr lang="en-US"/>
           </a:p>
         </p:txBody>
       </p:sp>
@@ -3984,13 +3976,13 @@
         </p:style>
         <p:txBody>
           <a:bodyPr rtlCol="0" anchor="ctr"/>
+          <a:lstStyle/>
           <a:p>
             <a:pPr algn="ctr"/>
             <a:r>
               <a:rPr lang="en-US"/>
               <a:t>Is remainder ==1 for all numbers </a:t>
             </a:r>
-            <a:endParaRPr lang="en-US"/>
           </a:p>
         </p:txBody>
       </p:sp>
@@ -4043,13 +4035,13 @@
         </p:style>
         <p:txBody>
           <a:bodyPr rtlCol="0" anchor="ctr"/>
+          <a:lstStyle/>
           <a:p>
             <a:pPr algn="ctr"/>
             <a:r>
               <a:rPr lang="en-US"/>
               <a:t>Divide values by first divisible prime number for any value</a:t>
             </a:r>
-            <a:endParaRPr lang="en-US"/>
           </a:p>
         </p:txBody>
       </p:sp>
@@ -4102,13 +4094,13 @@
         </p:style>
         <p:txBody>
           <a:bodyPr rtlCol="0" anchor="ctr"/>
+          <a:lstStyle/>
           <a:p>
             <a:pPr algn="ctr"/>
             <a:r>
               <a:rPr lang="en-US"/>
               <a:t>Divide by next divisible prime number for any value</a:t>
             </a:r>
-            <a:endParaRPr lang="en-US"/>
           </a:p>
         </p:txBody>
       </p:sp>
@@ -4409,13 +4401,13 @@
         </p:style>
         <p:txBody>
           <a:bodyPr rtlCol="0" anchor="ctr"/>
+          <a:lstStyle/>
           <a:p>
             <a:pPr algn="ctr"/>
             <a:r>
               <a:rPr lang="en-US"/>
               <a:t>m = multiply prime numbers used</a:t>
             </a:r>
-            <a:endParaRPr lang="en-US"/>
           </a:p>
         </p:txBody>
       </p:sp>
@@ -4540,13 +4532,13 @@
         </p:style>
         <p:txBody>
           <a:bodyPr rtlCol="0" anchor="ctr"/>
+          <a:lstStyle/>
           <a:p>
             <a:pPr algn="ctr"/>
             <a:r>
               <a:rPr lang="en-US"/>
               <a:t>END</a:t>
             </a:r>
-            <a:endParaRPr lang="en-US"/>
           </a:p>
         </p:txBody>
       </p:sp>
@@ -4567,7 +4559,14 @@
         <p:cNvGrpSpPr/>
         <p:nvPr/>
       </p:nvGrpSpPr>
-      <p:grpSpPr/>
+      <p:grpSpPr>
+        <a:xfrm>
+          <a:off x="0" y="0"/>
+          <a:ext cx="0" cy="0"/>
+          <a:chOff x="0" y="0"/>
+          <a:chExt cx="0" cy="0"/>
+        </a:xfrm>
+      </p:grpSpPr>
       <p:sp>
         <p:nvSpPr>
           <p:cNvPr id="4" name="Title 3"/>
@@ -4591,6 +4590,7 @@
               <a:lightRig rig="threePt" dir="t"/>
             </a:scene3d>
           </a:bodyPr>
+          <a:lstStyle/>
           <a:p>
             <a:r>
               <a:rPr lang="en-US">
@@ -4623,34 +4623,6 @@
               </a:rPr>
               <a:t>Alogorithm to find the LCM of two numbers</a:t>
             </a:r>
-            <a:endParaRPr lang="en-US">
-              <a:ln w="12700">
-                <a:solidFill>
-                  <a:schemeClr val="tx2">
-                    <a:lumMod val="75000"/>
-                  </a:schemeClr>
-                </a:solidFill>
-                <a:prstDash val="solid"/>
-              </a:ln>
-              <a:pattFill prst="dkUpDiag">
-                <a:fgClr>
-                  <a:schemeClr val="tx2"/>
-                </a:fgClr>
-                <a:bgClr>
-                  <a:schemeClr val="tx2">
-                    <a:lumMod val="20000"/>
-                    <a:lumOff val="80000"/>
-                  </a:schemeClr>
-                </a:bgClr>
-              </a:pattFill>
-              <a:effectLst>
-                <a:outerShdw dist="38100" dir="2640000" algn="bl" rotWithShape="0">
-                  <a:schemeClr val="tx2">
-                    <a:lumMod val="75000"/>
-                  </a:schemeClr>
-                </a:outerShdw>
-              </a:effectLst>
-            </a:endParaRPr>
           </a:p>
         </p:txBody>
       </p:sp>
@@ -4671,7 +4643,14 @@
         <p:cNvGrpSpPr/>
         <p:nvPr/>
       </p:nvGrpSpPr>
-      <p:grpSpPr/>
+      <p:grpSpPr>
+        <a:xfrm>
+          <a:off x="0" y="0"/>
+          <a:ext cx="0" cy="0"/>
+          <a:chOff x="0" y="0"/>
+          <a:chExt cx="0" cy="0"/>
+        </a:xfrm>
+      </p:grpSpPr>
       <p:sp>
         <p:nvSpPr>
           <p:cNvPr id="3" name="Content Placeholder 2"/>
@@ -4702,6 +4681,7 @@
         </p:spPr>
         <p:txBody>
           <a:bodyPr/>
+          <a:lstStyle/>
           <a:p>
             <a:r>
               <a:rPr lang="en-US" sz="3200">
@@ -4710,10 +4690,6 @@
               </a:rPr>
               <a:t>INPUT numbers of values</a:t>
             </a:r>
-            <a:endParaRPr lang="en-US" sz="3200">
-              <a:latin typeface="Times New Roman" panose="02020603050405020304" charset="0"/>
-              <a:cs typeface="Times New Roman" panose="02020603050405020304" charset="0"/>
-            </a:endParaRPr>
           </a:p>
           <a:p>
             <a:r>
@@ -4723,10 +4699,6 @@
               </a:rPr>
               <a:t>INPUT values</a:t>
             </a:r>
-            <a:endParaRPr lang="en-US" sz="3200">
-              <a:latin typeface="Times New Roman" panose="02020603050405020304" charset="0"/>
-              <a:cs typeface="Times New Roman" panose="02020603050405020304" charset="0"/>
-            </a:endParaRPr>
           </a:p>
           <a:p>
             <a:r>
@@ -4736,10 +4708,6 @@
               </a:rPr>
               <a:t>COMPUTE a = first prime number that can divide all values used</a:t>
             </a:r>
-            <a:endParaRPr lang="en-US" sz="3200">
-              <a:latin typeface="Times New Roman" panose="02020603050405020304" charset="0"/>
-              <a:cs typeface="Times New Roman" panose="02020603050405020304" charset="0"/>
-            </a:endParaRPr>
           </a:p>
           <a:p>
             <a:r>
@@ -4749,10 +4717,6 @@
               </a:rPr>
               <a:t>COMPUTE b = values divided by a</a:t>
             </a:r>
-            <a:endParaRPr lang="en-US" sz="3200">
-              <a:latin typeface="Times New Roman" panose="02020603050405020304" charset="0"/>
-              <a:cs typeface="Times New Roman" panose="02020603050405020304" charset="0"/>
-            </a:endParaRPr>
           </a:p>
           <a:p>
             <a:r>
@@ -4762,10 +4726,6 @@
               </a:rPr>
               <a:t>PRINT b</a:t>
             </a:r>
-            <a:endParaRPr lang="en-US" sz="3200">
-              <a:latin typeface="Times New Roman" panose="02020603050405020304" charset="0"/>
-              <a:cs typeface="Times New Roman" panose="02020603050405020304" charset="0"/>
-            </a:endParaRPr>
           </a:p>
           <a:p>
             <a:endParaRPr lang="en-US" sz="3200">
@@ -4792,7 +4752,14 @@
         <p:cNvGrpSpPr/>
         <p:nvPr/>
       </p:nvGrpSpPr>
-      <p:grpSpPr/>
+      <p:grpSpPr>
+        <a:xfrm>
+          <a:off x="0" y="0"/>
+          <a:ext cx="0" cy="0"/>
+          <a:chOff x="0" y="0"/>
+          <a:chExt cx="0" cy="0"/>
+        </a:xfrm>
+      </p:grpSpPr>
       <p:sp>
         <p:nvSpPr>
           <p:cNvPr id="3" name="Content Placeholder 2"/>
@@ -4827,8 +4794,9 @@
         </p:spPr>
         <p:txBody>
           <a:bodyPr/>
-          <a:p>
-            <a:endParaRPr lang="en-US"/>
+          <a:lstStyle/>
+          <a:p>
+            <a:endParaRPr lang="en-US" dirty="0"/>
           </a:p>
         </p:txBody>
       </p:sp>
@@ -4881,13 +4849,13 @@
         </p:style>
         <p:txBody>
           <a:bodyPr rtlCol="0" anchor="ctr"/>
+          <a:lstStyle/>
           <a:p>
             <a:pPr algn="ctr"/>
             <a:r>
               <a:rPr lang="en-US"/>
               <a:t>START</a:t>
             </a:r>
-            <a:endParaRPr lang="en-US"/>
           </a:p>
         </p:txBody>
       </p:sp>
@@ -5084,13 +5052,13 @@
         </p:style>
         <p:txBody>
           <a:bodyPr rtlCol="0" anchor="ctr"/>
+          <a:lstStyle/>
           <a:p>
             <a:pPr algn="ctr"/>
             <a:r>
               <a:rPr lang="en-US"/>
               <a:t>Input number of values</a:t>
             </a:r>
-            <a:endParaRPr lang="en-US"/>
           </a:p>
         </p:txBody>
       </p:sp>
@@ -5143,13 +5111,13 @@
         </p:style>
         <p:txBody>
           <a:bodyPr rtlCol="0" anchor="ctr"/>
+          <a:lstStyle/>
           <a:p>
             <a:pPr algn="ctr"/>
             <a:r>
               <a:rPr lang="en-US"/>
               <a:t>Input values</a:t>
             </a:r>
-            <a:endParaRPr lang="en-US"/>
           </a:p>
         </p:txBody>
       </p:sp>
@@ -5202,6 +5170,7 @@
         </p:style>
         <p:txBody>
           <a:bodyPr rtlCol="0" anchor="ctr"/>
+          <a:lstStyle/>
           <a:p>
             <a:pPr algn="ctr"/>
             <a:r>
@@ -5339,13 +5308,13 @@
         </p:style>
         <p:txBody>
           <a:bodyPr rtlCol="0" anchor="ctr"/>
+          <a:lstStyle/>
           <a:p>
             <a:pPr algn="ctr"/>
             <a:r>
               <a:rPr lang="en-US"/>
               <a:t>b = values divided by a</a:t>
             </a:r>
-            <a:endParaRPr lang="en-US"/>
           </a:p>
         </p:txBody>
       </p:sp>
@@ -5398,13 +5367,13 @@
         </p:style>
         <p:txBody>
           <a:bodyPr rtlCol="0" anchor="ctr"/>
+          <a:lstStyle/>
           <a:p>
             <a:pPr algn="ctr"/>
             <a:r>
               <a:rPr lang="en-US"/>
               <a:t>Print b</a:t>
             </a:r>
-            <a:endParaRPr lang="en-US"/>
           </a:p>
         </p:txBody>
       </p:sp>
@@ -5457,13 +5426,13 @@
         </p:style>
         <p:txBody>
           <a:bodyPr rtlCol="0" anchor="ctr"/>
+          <a:lstStyle/>
           <a:p>
             <a:pPr algn="ctr"/>
             <a:r>
               <a:rPr lang="en-US"/>
               <a:t>STOP</a:t>
             </a:r>
-            <a:endParaRPr lang="en-US"/>
           </a:p>
         </p:txBody>
       </p:sp>
@@ -5484,7 +5453,14 @@
         <p:cNvGrpSpPr/>
         <p:nvPr/>
       </p:nvGrpSpPr>
-      <p:grpSpPr/>
+      <p:grpSpPr>
+        <a:xfrm>
+          <a:off x="0" y="0"/>
+          <a:ext cx="0" cy="0"/>
+          <a:chOff x="0" y="0"/>
+          <a:chExt cx="0" cy="0"/>
+        </a:xfrm>
+      </p:grpSpPr>
       <p:sp>
         <p:nvSpPr>
           <p:cNvPr id="4" name="Title 3"/>
@@ -5503,6 +5479,7 @@
         </p:spPr>
         <p:txBody>
           <a:bodyPr/>
+          <a:lstStyle/>
           <a:p>
             <a:r>
               <a:rPr lang="en-US">
@@ -5535,34 +5512,6 @@
               </a:rPr>
               <a:t>Alogorithm to find Factorial of number n</a:t>
             </a:r>
-            <a:endParaRPr lang="en-US">
-              <a:ln w="12700">
-                <a:solidFill>
-                  <a:schemeClr val="tx2">
-                    <a:lumMod val="75000"/>
-                  </a:schemeClr>
-                </a:solidFill>
-                <a:prstDash val="solid"/>
-              </a:ln>
-              <a:pattFill prst="dkUpDiag">
-                <a:fgClr>
-                  <a:schemeClr val="tx2"/>
-                </a:fgClr>
-                <a:bgClr>
-                  <a:schemeClr val="tx2">
-                    <a:lumMod val="20000"/>
-                    <a:lumOff val="80000"/>
-                  </a:schemeClr>
-                </a:bgClr>
-              </a:pattFill>
-              <a:effectLst>
-                <a:outerShdw dist="38100" dir="2640000" algn="bl" rotWithShape="0">
-                  <a:schemeClr val="tx2">
-                    <a:lumMod val="75000"/>
-                  </a:schemeClr>
-                </a:outerShdw>
-              </a:effectLst>
-            </a:endParaRPr>
           </a:p>
         </p:txBody>
       </p:sp>
@@ -5583,7 +5532,14 @@
         <p:cNvGrpSpPr/>
         <p:nvPr/>
       </p:nvGrpSpPr>
-      <p:grpSpPr/>
+      <p:grpSpPr>
+        <a:xfrm>
+          <a:off x="0" y="0"/>
+          <a:ext cx="0" cy="0"/>
+          <a:chOff x="0" y="0"/>
+          <a:chExt cx="0" cy="0"/>
+        </a:xfrm>
+      </p:grpSpPr>
       <p:sp>
         <p:nvSpPr>
           <p:cNvPr id="3" name="Content Placeholder 2"/>
@@ -5614,6 +5570,7 @@
         </p:spPr>
         <p:txBody>
           <a:bodyPr/>
+          <a:lstStyle/>
           <a:p>
             <a:r>
               <a:rPr lang="en-US">
@@ -5622,10 +5579,6 @@
               </a:rPr>
               <a:t>INPUT n = number</a:t>
             </a:r>
-            <a:endParaRPr lang="en-US">
-              <a:latin typeface="Times New Roman" panose="02020603050405020304" charset="0"/>
-              <a:cs typeface="Times New Roman" panose="02020603050405020304" charset="0"/>
-            </a:endParaRPr>
           </a:p>
           <a:p>
             <a:r>
@@ -5635,10 +5588,6 @@
               </a:rPr>
               <a:t>COMPUTE a = list of all positive integers from 1 to n</a:t>
             </a:r>
-            <a:endParaRPr lang="en-US">
-              <a:latin typeface="Times New Roman" panose="02020603050405020304" charset="0"/>
-              <a:cs typeface="Times New Roman" panose="02020603050405020304" charset="0"/>
-            </a:endParaRPr>
           </a:p>
           <a:p>
             <a:r>
@@ -5648,10 +5597,6 @@
               </a:rPr>
               <a:t>COMPUTE b = product of all the values in a </a:t>
             </a:r>
-            <a:endParaRPr lang="en-US">
-              <a:latin typeface="Times New Roman" panose="02020603050405020304" charset="0"/>
-              <a:cs typeface="Times New Roman" panose="02020603050405020304" charset="0"/>
-            </a:endParaRPr>
           </a:p>
           <a:p>
             <a:r>
@@ -5661,10 +5606,6 @@
               </a:rPr>
               <a:t>PRINT b</a:t>
             </a:r>
-            <a:endParaRPr lang="en-US">
-              <a:latin typeface="Times New Roman" panose="02020603050405020304" charset="0"/>
-              <a:cs typeface="Times New Roman" panose="02020603050405020304" charset="0"/>
-            </a:endParaRPr>
           </a:p>
         </p:txBody>
       </p:sp>
@@ -5685,7 +5626,14 @@
         <p:cNvGrpSpPr/>
         <p:nvPr/>
       </p:nvGrpSpPr>
-      <p:grpSpPr/>
+      <p:grpSpPr>
+        <a:xfrm>
+          <a:off x="0" y="0"/>
+          <a:ext cx="0" cy="0"/>
+          <a:chOff x="0" y="0"/>
+          <a:chExt cx="0" cy="0"/>
+        </a:xfrm>
+      </p:grpSpPr>
       <p:sp>
         <p:nvSpPr>
           <p:cNvPr id="3" name="Content Placeholder 2"/>
@@ -5720,6 +5668,7 @@
         </p:spPr>
         <p:txBody>
           <a:bodyPr/>
+          <a:lstStyle/>
           <a:p>
             <a:endParaRPr lang="en-US"/>
           </a:p>
@@ -5774,13 +5723,13 @@
         </p:style>
         <p:txBody>
           <a:bodyPr rtlCol="0" anchor="ctr"/>
+          <a:lstStyle/>
           <a:p>
             <a:pPr algn="ctr"/>
             <a:r>
               <a:rPr lang="en-US"/>
               <a:t>START</a:t>
             </a:r>
-            <a:endParaRPr lang="en-US"/>
           </a:p>
         </p:txBody>
       </p:sp>
@@ -5977,6 +5926,7 @@
         </p:style>
         <p:txBody>
           <a:bodyPr rtlCol="0" anchor="ctr"/>
+          <a:lstStyle/>
           <a:p>
             <a:pPr algn="ctr"/>
             <a:r>
@@ -6038,6 +5988,7 @@
         </p:style>
         <p:txBody>
           <a:bodyPr rtlCol="0" anchor="ctr"/>
+          <a:lstStyle/>
           <a:p>
             <a:pPr algn="ctr"/>
             <a:r>
@@ -6099,13 +6050,13 @@
         </p:style>
         <p:txBody>
           <a:bodyPr rtlCol="0" anchor="ctr"/>
+          <a:lstStyle/>
           <a:p>
             <a:pPr algn="ctr"/>
             <a:r>
               <a:rPr lang="en-US"/>
               <a:t>Print b</a:t>
             </a:r>
-            <a:endParaRPr lang="en-US"/>
           </a:p>
         </p:txBody>
       </p:sp>
@@ -6158,13 +6109,13 @@
         </p:style>
         <p:txBody>
           <a:bodyPr rtlCol="0" anchor="ctr"/>
+          <a:lstStyle/>
           <a:p>
             <a:pPr algn="ctr"/>
             <a:r>
               <a:rPr lang="en-US"/>
               <a:t>END</a:t>
             </a:r>
-            <a:endParaRPr lang="en-US"/>
           </a:p>
         </p:txBody>
       </p:sp>
@@ -6229,6 +6180,7 @@
           <a:bodyPr>
             <a:noAutofit/>
           </a:bodyPr>
+          <a:lstStyle/>
           <a:p>
             <a:pPr marL="0" indent="0" algn="ctr">
               <a:buNone/>
@@ -6240,10 +6192,6 @@
               </a:rPr>
               <a:t>Pseudocode</a:t>
             </a:r>
-            <a:endParaRPr lang="en-US" sz="3200">
-              <a:latin typeface="Georgia" panose="02040502050405020303" charset="0"/>
-              <a:cs typeface="Georgia" panose="02040502050405020303" charset="0"/>
-            </a:endParaRPr>
           </a:p>
           <a:p>
             <a:pPr marL="0" indent="0">
@@ -6256,10 +6204,6 @@
               </a:rPr>
               <a:t>INPUT a,b,c</a:t>
             </a:r>
-            <a:endParaRPr lang="en-US" sz="2000">
-              <a:latin typeface="Times New Roman" panose="02020603050405020304" charset="0"/>
-              <a:cs typeface="Times New Roman" panose="02020603050405020304" charset="0"/>
-            </a:endParaRPr>
           </a:p>
           <a:p>
             <a:pPr marL="0" indent="0">
@@ -6272,10 +6216,6 @@
               </a:rPr>
               <a:t>COMPUTE d = sqrt(b*b-(4*a*c))</a:t>
             </a:r>
-            <a:endParaRPr lang="en-US" sz="2000">
-              <a:latin typeface="Times New Roman" panose="02020603050405020304" charset="0"/>
-              <a:cs typeface="Times New Roman" panose="02020603050405020304" charset="0"/>
-            </a:endParaRPr>
           </a:p>
           <a:p>
             <a:pPr marL="0" indent="0">
@@ -6288,10 +6228,6 @@
               </a:rPr>
               <a:t>IF d &gt; 0 THEN</a:t>
             </a:r>
-            <a:endParaRPr lang="en-US" sz="2000">
-              <a:latin typeface="Times New Roman" panose="02020603050405020304" charset="0"/>
-              <a:cs typeface="Times New Roman" panose="02020603050405020304" charset="0"/>
-            </a:endParaRPr>
           </a:p>
           <a:p>
             <a:pPr marL="0" indent="0">
@@ -6304,10 +6240,6 @@
               </a:rPr>
               <a:t> 	COMPUTE x1 = (-b+d)/(2*a)</a:t>
             </a:r>
-            <a:endParaRPr lang="en-US" sz="2000">
-              <a:latin typeface="Times New Roman" panose="02020603050405020304" charset="0"/>
-              <a:cs typeface="Times New Roman" panose="02020603050405020304" charset="0"/>
-            </a:endParaRPr>
           </a:p>
           <a:p>
             <a:pPr marL="0" indent="0">
@@ -6328,11 +6260,6 @@
               </a:rPr>
               <a:t>COMPUTE x2 = (-b+d)/(2*a)</a:t>
             </a:r>
-            <a:endParaRPr lang="en-US" sz="2000">
-              <a:latin typeface="Times New Roman" panose="02020603050405020304" charset="0"/>
-              <a:cs typeface="Times New Roman" panose="02020603050405020304" charset="0"/>
-              <a:sym typeface="+mn-ea"/>
-            </a:endParaRPr>
           </a:p>
           <a:p>
             <a:pPr marL="0" indent="0">
@@ -6346,11 +6273,6 @@
               </a:rPr>
               <a:t>	PRINT x1</a:t>
             </a:r>
-            <a:endParaRPr lang="en-US" sz="2000">
-              <a:latin typeface="Times New Roman" panose="02020603050405020304" charset="0"/>
-              <a:cs typeface="Times New Roman" panose="02020603050405020304" charset="0"/>
-              <a:sym typeface="+mn-ea"/>
-            </a:endParaRPr>
           </a:p>
           <a:p>
             <a:pPr marL="0" indent="0">
@@ -6364,11 +6286,6 @@
               </a:rPr>
               <a:t>	PRINT x2</a:t>
             </a:r>
-            <a:endParaRPr lang="en-US" sz="2000">
-              <a:latin typeface="Times New Roman" panose="02020603050405020304" charset="0"/>
-              <a:cs typeface="Times New Roman" panose="02020603050405020304" charset="0"/>
-              <a:sym typeface="+mn-ea"/>
-            </a:endParaRPr>
           </a:p>
           <a:p>
             <a:pPr marL="0" indent="0">
@@ -6382,11 +6299,6 @@
               </a:rPr>
               <a:t>ELSE IF d == 0 THEN</a:t>
             </a:r>
-            <a:endParaRPr lang="en-US" sz="2000">
-              <a:latin typeface="Times New Roman" panose="02020603050405020304" charset="0"/>
-              <a:cs typeface="Times New Roman" panose="02020603050405020304" charset="0"/>
-              <a:sym typeface="+mn-ea"/>
-            </a:endParaRPr>
           </a:p>
           <a:p>
             <a:pPr marL="0" indent="0">
@@ -6400,11 +6312,6 @@
               </a:rPr>
               <a:t>	COMPUTE x1=x2= -b/(2*a)</a:t>
             </a:r>
-            <a:endParaRPr lang="en-US" sz="2000">
-              <a:latin typeface="Times New Roman" panose="02020603050405020304" charset="0"/>
-              <a:cs typeface="Times New Roman" panose="02020603050405020304" charset="0"/>
-              <a:sym typeface="+mn-ea"/>
-            </a:endParaRPr>
           </a:p>
           <a:p>
             <a:pPr marL="0" indent="0">
@@ -6418,11 +6325,6 @@
               </a:rPr>
               <a:t>	PRINT x1</a:t>
             </a:r>
-            <a:endParaRPr lang="en-US" sz="2000">
-              <a:latin typeface="Times New Roman" panose="02020603050405020304" charset="0"/>
-              <a:cs typeface="Times New Roman" panose="02020603050405020304" charset="0"/>
-              <a:sym typeface="+mn-ea"/>
-            </a:endParaRPr>
           </a:p>
           <a:p>
             <a:pPr marL="0" indent="0">
@@ -6436,11 +6338,6 @@
               </a:rPr>
               <a:t>	PRINT x2</a:t>
             </a:r>
-            <a:endParaRPr lang="en-US" sz="2000">
-              <a:latin typeface="Times New Roman" panose="02020603050405020304" charset="0"/>
-              <a:cs typeface="Times New Roman" panose="02020603050405020304" charset="0"/>
-              <a:sym typeface="+mn-ea"/>
-            </a:endParaRPr>
           </a:p>
           <a:p>
             <a:pPr marL="0" indent="0">
@@ -6454,11 +6351,6 @@
               </a:rPr>
               <a:t>ELSE </a:t>
             </a:r>
-            <a:endParaRPr lang="en-US" sz="2000">
-              <a:latin typeface="Times New Roman" panose="02020603050405020304" charset="0"/>
-              <a:cs typeface="Times New Roman" panose="02020603050405020304" charset="0"/>
-              <a:sym typeface="+mn-ea"/>
-            </a:endParaRPr>
           </a:p>
           <a:p>
             <a:pPr marL="0" indent="0">
@@ -6472,11 +6364,6 @@
               </a:rPr>
               <a:t>	PRINT There is no real root</a:t>
             </a:r>
-            <a:endParaRPr lang="en-US" sz="2000">
-              <a:latin typeface="Times New Roman" panose="02020603050405020304" charset="0"/>
-              <a:cs typeface="Times New Roman" panose="02020603050405020304" charset="0"/>
-              <a:sym typeface="+mn-ea"/>
-            </a:endParaRPr>
           </a:p>
           <a:p>
             <a:pPr marL="0" indent="0">
@@ -6490,11 +6377,6 @@
               </a:rPr>
               <a:t>ENDIF</a:t>
             </a:r>
-            <a:endParaRPr lang="en-US" sz="2000">
-              <a:latin typeface="Times New Roman" panose="02020603050405020304" charset="0"/>
-              <a:cs typeface="Times New Roman" panose="02020603050405020304" charset="0"/>
-              <a:sym typeface="+mn-ea"/>
-            </a:endParaRPr>
           </a:p>
           <a:p>
             <a:pPr marL="0" indent="0">
@@ -6530,7 +6412,14 @@
         <p:cNvGrpSpPr/>
         <p:nvPr/>
       </p:nvGrpSpPr>
-      <p:grpSpPr/>
+      <p:grpSpPr>
+        <a:xfrm>
+          <a:off x="0" y="0"/>
+          <a:ext cx="0" cy="0"/>
+          <a:chOff x="0" y="0"/>
+          <a:chExt cx="0" cy="0"/>
+        </a:xfrm>
+      </p:grpSpPr>
       <p:sp>
         <p:nvSpPr>
           <p:cNvPr id="3" name="Content Placeholder 2"/>
@@ -6565,6 +6454,7 @@
         </p:spPr>
         <p:txBody>
           <a:bodyPr/>
+          <a:lstStyle/>
           <a:p>
             <a:endParaRPr lang="en-US"/>
           </a:p>
@@ -6619,13 +6509,13 @@
         </p:style>
         <p:txBody>
           <a:bodyPr rtlCol="0" anchor="ctr"/>
+          <a:lstStyle/>
           <a:p>
             <a:pPr algn="ctr"/>
             <a:r>
               <a:rPr lang="en-US"/>
               <a:t>START</a:t>
             </a:r>
-            <a:endParaRPr lang="en-US"/>
           </a:p>
         </p:txBody>
       </p:sp>
@@ -6750,13 +6640,13 @@
         </p:style>
         <p:txBody>
           <a:bodyPr rtlCol="0" anchor="ctr"/>
+          <a:lstStyle/>
           <a:p>
             <a:pPr algn="ctr"/>
             <a:r>
               <a:rPr lang="en-US"/>
               <a:t>Input a,b,c</a:t>
             </a:r>
-            <a:endParaRPr lang="en-US"/>
           </a:p>
         </p:txBody>
       </p:sp>
@@ -6845,6 +6735,7 @@
         </p:style>
         <p:txBody>
           <a:bodyPr rtlCol="0" anchor="ctr"/>
+          <a:lstStyle/>
           <a:p>
             <a:pPr algn="ctr"/>
             <a:r>
@@ -6946,13 +6837,13 @@
         </p:style>
         <p:txBody>
           <a:bodyPr rtlCol="0" anchor="ctr"/>
+          <a:lstStyle/>
           <a:p>
             <a:pPr algn="ctr"/>
             <a:r>
               <a:rPr lang="en-US"/>
               <a:t>Is d &gt; 0</a:t>
             </a:r>
-            <a:endParaRPr lang="en-US"/>
           </a:p>
         </p:txBody>
       </p:sp>
@@ -7077,6 +6968,7 @@
         </p:style>
         <p:txBody>
           <a:bodyPr rtlCol="0" anchor="ctr"/>
+          <a:lstStyle/>
           <a:p>
             <a:pPr marL="0" indent="0">
               <a:buNone/>
@@ -7152,6 +7044,7 @@
         </p:style>
         <p:txBody>
           <a:bodyPr rtlCol="0" anchor="ctr"/>
+          <a:lstStyle/>
           <a:p>
             <a:pPr marL="0" indent="0">
               <a:buNone/>
@@ -7215,13 +7108,13 @@
         </p:style>
         <p:txBody>
           <a:bodyPr rtlCol="0" anchor="ctr"/>
+          <a:lstStyle/>
           <a:p>
             <a:pPr algn="ctr"/>
             <a:r>
               <a:rPr lang="en-US"/>
               <a:t>Is d == 0</a:t>
             </a:r>
-            <a:endParaRPr lang="en-US"/>
           </a:p>
         </p:txBody>
       </p:sp>
@@ -7346,13 +7239,13 @@
         </p:style>
         <p:txBody>
           <a:bodyPr rtlCol="0" anchor="ctr"/>
+          <a:lstStyle/>
           <a:p>
             <a:pPr algn="ctr"/>
             <a:r>
               <a:rPr lang="en-US"/>
               <a:t>Print ‘There are no real roots’</a:t>
             </a:r>
-            <a:endParaRPr lang="en-US"/>
           </a:p>
         </p:txBody>
       </p:sp>
@@ -7405,13 +7298,13 @@
         </p:style>
         <p:txBody>
           <a:bodyPr rtlCol="0" anchor="ctr"/>
+          <a:lstStyle/>
           <a:p>
             <a:pPr algn="ctr"/>
             <a:r>
               <a:rPr lang="en-US"/>
               <a:t>print x1,x2</a:t>
             </a:r>
-            <a:endParaRPr lang="en-US"/>
           </a:p>
         </p:txBody>
       </p:sp>
@@ -7464,13 +7357,13 @@
         </p:style>
         <p:txBody>
           <a:bodyPr rtlCol="0" anchor="ctr"/>
+          <a:lstStyle/>
           <a:p>
             <a:pPr algn="ctr"/>
             <a:r>
               <a:rPr lang="en-US"/>
               <a:t>Print x1,x2</a:t>
             </a:r>
-            <a:endParaRPr lang="en-US"/>
           </a:p>
         </p:txBody>
       </p:sp>
@@ -7739,13 +7632,13 @@
         </p:style>
         <p:txBody>
           <a:bodyPr rtlCol="0" anchor="ctr"/>
+          <a:lstStyle/>
           <a:p>
             <a:pPr algn="ctr"/>
             <a:r>
               <a:rPr lang="en-US"/>
               <a:t>END</a:t>
             </a:r>
-            <a:endParaRPr lang="en-US"/>
           </a:p>
         </p:txBody>
       </p:sp>
@@ -7772,12 +7665,12 @@
           <a:bodyPr wrap="square" rtlCol="0">
             <a:spAutoFit/>
           </a:bodyPr>
+          <a:lstStyle/>
           <a:p>
             <a:r>
               <a:rPr lang="en-US"/>
               <a:t>YES</a:t>
             </a:r>
-            <a:endParaRPr lang="en-US"/>
           </a:p>
         </p:txBody>
       </p:sp>
@@ -7804,12 +7697,12 @@
           <a:bodyPr wrap="square" rtlCol="0">
             <a:spAutoFit/>
           </a:bodyPr>
+          <a:lstStyle/>
           <a:p>
             <a:r>
               <a:rPr lang="en-US"/>
               <a:t>YES</a:t>
             </a:r>
-            <a:endParaRPr lang="en-US"/>
           </a:p>
         </p:txBody>
       </p:sp>
@@ -7836,12 +7729,12 @@
           <a:bodyPr wrap="square" rtlCol="0">
             <a:spAutoFit/>
           </a:bodyPr>
+          <a:lstStyle/>
           <a:p>
             <a:r>
               <a:rPr lang="en-US"/>
               <a:t>NO</a:t>
             </a:r>
-            <a:endParaRPr lang="en-US"/>
           </a:p>
         </p:txBody>
       </p:sp>
@@ -7868,12 +7761,12 @@
           <a:bodyPr wrap="square" rtlCol="0">
             <a:spAutoFit/>
           </a:bodyPr>
+          <a:lstStyle/>
           <a:p>
             <a:r>
               <a:rPr lang="en-US"/>
               <a:t>NO</a:t>
             </a:r>
-            <a:endParaRPr lang="en-US"/>
           </a:p>
         </p:txBody>
       </p:sp>
@@ -7894,7 +7787,14 @@
         <p:cNvGrpSpPr/>
         <p:nvPr/>
       </p:nvGrpSpPr>
-      <p:grpSpPr/>
+      <p:grpSpPr>
+        <a:xfrm>
+          <a:off x="0" y="0"/>
+          <a:ext cx="0" cy="0"/>
+          <a:chOff x="0" y="0"/>
+          <a:chExt cx="0" cy="0"/>
+        </a:xfrm>
+      </p:grpSpPr>
       <p:sp>
         <p:nvSpPr>
           <p:cNvPr id="4" name="Title 3"/>
@@ -7919,6 +7819,7 @@
               <a:lightRig rig="threePt" dir="t"/>
             </a:scene3d>
           </a:bodyPr>
+          <a:lstStyle/>
           <a:p>
             <a:r>
               <a:rPr lang="en-US">
@@ -8079,6 +7980,37 @@
                 <a:sym typeface="+mn-ea"/>
               </a:rPr>
               <a:t>+cx+d=0</a:t>
+            </a:r>
+            <a:r>
+              <a:rPr lang="en-US">
+                <a:ln w="12700">
+                  <a:solidFill>
+                    <a:schemeClr val="tx2">
+                      <a:lumMod val="75000"/>
+                    </a:schemeClr>
+                  </a:solidFill>
+                  <a:prstDash val="solid"/>
+                </a:ln>
+                <a:pattFill prst="dkUpDiag">
+                  <a:fgClr>
+                    <a:schemeClr val="tx2"/>
+                  </a:fgClr>
+                  <a:bgClr>
+                    <a:schemeClr val="tx2">
+                      <a:lumMod val="20000"/>
+                      <a:lumOff val="80000"/>
+                    </a:schemeClr>
+                  </a:bgClr>
+                </a:pattFill>
+                <a:effectLst>
+                  <a:outerShdw dist="38100" dir="2640000" algn="bl" rotWithShape="0">
+                    <a:schemeClr val="tx2">
+                      <a:lumMod val="75000"/>
+                    </a:schemeClr>
+                  </a:outerShdw>
+                </a:effectLst>
+              </a:rPr>
+              <a:t/>
             </a:r>
             <a:br>
               <a:rPr lang="en-US">
@@ -8158,7 +8090,14 @@
         <p:cNvGrpSpPr/>
         <p:nvPr/>
       </p:nvGrpSpPr>
-      <p:grpSpPr/>
+      <p:grpSpPr>
+        <a:xfrm>
+          <a:off x="0" y="0"/>
+          <a:ext cx="0" cy="0"/>
+          <a:chOff x="0" y="0"/>
+          <a:chExt cx="0" cy="0"/>
+        </a:xfrm>
+      </p:grpSpPr>
       <p:sp>
         <p:nvSpPr>
           <p:cNvPr id="3" name="Content Placeholder 2"/>
@@ -8193,6 +8132,7 @@
           <a:bodyPr>
             <a:noAutofit/>
           </a:bodyPr>
+          <a:lstStyle/>
           <a:p>
             <a:r>
               <a:rPr lang="en-US" sz="2300">
@@ -8201,10 +8141,6 @@
               </a:rPr>
               <a:t>INPUT a,b,c,d</a:t>
             </a:r>
-            <a:endParaRPr lang="en-US" sz="2300">
-              <a:latin typeface="Times New Roman" panose="02020603050405020304" charset="0"/>
-              <a:cs typeface="Times New Roman" panose="02020603050405020304" charset="0"/>
-            </a:endParaRPr>
           </a:p>
           <a:p>
             <a:r>
@@ -8214,10 +8150,6 @@
               </a:rPr>
               <a:t>COMPUTE a1 = b/a</a:t>
             </a:r>
-            <a:endParaRPr lang="en-US" sz="2300">
-              <a:latin typeface="Times New Roman" panose="02020603050405020304" charset="0"/>
-              <a:cs typeface="Times New Roman" panose="02020603050405020304" charset="0"/>
-            </a:endParaRPr>
           </a:p>
           <a:p>
             <a:r>
@@ -8227,10 +8159,6 @@
               </a:rPr>
               <a:t>COMPUTE a2 = c/a</a:t>
             </a:r>
-            <a:endParaRPr lang="en-US" sz="2300">
-              <a:latin typeface="Times New Roman" panose="02020603050405020304" charset="0"/>
-              <a:cs typeface="Times New Roman" panose="02020603050405020304" charset="0"/>
-            </a:endParaRPr>
           </a:p>
           <a:p>
             <a:r>
@@ -8240,10 +8168,6 @@
               </a:rPr>
               <a:t>COMPUTE a3 = d/a</a:t>
             </a:r>
-            <a:endParaRPr lang="en-US" sz="2300">
-              <a:latin typeface="Times New Roman" panose="02020603050405020304" charset="0"/>
-              <a:cs typeface="Times New Roman" panose="02020603050405020304" charset="0"/>
-            </a:endParaRPr>
           </a:p>
           <a:p>
             <a:r>
@@ -8253,10 +8177,6 @@
               </a:rPr>
               <a:t>COMPUTE Q = ((3*a2)-((a1)^2))/9</a:t>
             </a:r>
-            <a:endParaRPr lang="en-US" sz="2300">
-              <a:latin typeface="Times New Roman" panose="02020603050405020304" charset="0"/>
-              <a:cs typeface="Times New Roman" panose="02020603050405020304" charset="0"/>
-            </a:endParaRPr>
           </a:p>
           <a:p>
             <a:r>
@@ -8266,10 +8186,6 @@
               </a:rPr>
               <a:t>COMPUTE R = ((9*a1*a2)-(27*a3)-(2*(a1)^3))/54</a:t>
             </a:r>
-            <a:endParaRPr lang="en-US" sz="2300">
-              <a:latin typeface="Times New Roman" panose="02020603050405020304" charset="0"/>
-              <a:cs typeface="Times New Roman" panose="02020603050405020304" charset="0"/>
-            </a:endParaRPr>
           </a:p>
           <a:p>
             <a:r>
@@ -8279,10 +8195,6 @@
               </a:rPr>
               <a:t>COMPUTE S = cuberoot of R+(((Q^3) + (R^2))^(1/2))</a:t>
             </a:r>
-            <a:endParaRPr lang="en-US" sz="2300">
-              <a:latin typeface="Times New Roman" panose="02020603050405020304" charset="0"/>
-              <a:cs typeface="Times New Roman" panose="02020603050405020304" charset="0"/>
-            </a:endParaRPr>
           </a:p>
           <a:p>
             <a:r>
@@ -8293,11 +8205,6 @@
               </a:rPr>
               <a:t>COMPUTE T = cuberoot of R-(((Q^3) + (R^2))^(1/2))</a:t>
             </a:r>
-            <a:endParaRPr lang="en-US" sz="2300">
-              <a:latin typeface="Times New Roman" panose="02020603050405020304" charset="0"/>
-              <a:cs typeface="Times New Roman" panose="02020603050405020304" charset="0"/>
-              <a:sym typeface="+mn-ea"/>
-            </a:endParaRPr>
           </a:p>
           <a:p>
             <a:r>
@@ -8315,10 +8222,6 @@
               </a:rPr>
               <a:t> ((S + T)-((1/3)*a1))</a:t>
             </a:r>
-            <a:endParaRPr lang="en-US" sz="2300">
-              <a:latin typeface="Times New Roman" panose="02020603050405020304" charset="0"/>
-              <a:cs typeface="Times New Roman" panose="02020603050405020304" charset="0"/>
-            </a:endParaRPr>
           </a:p>
           <a:p>
             <a:r>
@@ -8329,11 +8232,6 @@
               </a:rPr>
               <a:t>COMPUTE x2= ((-1/2)*(S + T)-((1/3)*a1) +( (1/2)*i*(3^(1/2))*(S - T)) </a:t>
             </a:r>
-            <a:endParaRPr lang="en-US" sz="2300">
-              <a:latin typeface="Times New Roman" panose="02020603050405020304" charset="0"/>
-              <a:cs typeface="Times New Roman" panose="02020603050405020304" charset="0"/>
-              <a:sym typeface="+mn-ea"/>
-            </a:endParaRPr>
           </a:p>
           <a:p>
             <a:r>
@@ -8344,11 +8242,6 @@
               </a:rPr>
               <a:t>COMPUTE x3= ((-1/2)*(S + T)-((1/3)*a1) - ((1/2)*i*(3^(1/2))*(S - T))</a:t>
             </a:r>
-            <a:endParaRPr lang="en-US" sz="2300">
-              <a:latin typeface="Times New Roman" panose="02020603050405020304" charset="0"/>
-              <a:cs typeface="Times New Roman" panose="02020603050405020304" charset="0"/>
-              <a:sym typeface="+mn-ea"/>
-            </a:endParaRPr>
           </a:p>
           <a:p>
             <a:r>
@@ -8359,11 +8252,6 @@
               </a:rPr>
               <a:t>PRINT x1</a:t>
             </a:r>
-            <a:endParaRPr lang="en-US" sz="2300">
-              <a:latin typeface="Times New Roman" panose="02020603050405020304" charset="0"/>
-              <a:cs typeface="Times New Roman" panose="02020603050405020304" charset="0"/>
-              <a:sym typeface="+mn-ea"/>
-            </a:endParaRPr>
           </a:p>
           <a:p>
             <a:r>
@@ -8374,11 +8262,6 @@
               </a:rPr>
               <a:t>PRINT x2</a:t>
             </a:r>
-            <a:endParaRPr lang="en-US" sz="2300">
-              <a:latin typeface="Times New Roman" panose="02020603050405020304" charset="0"/>
-              <a:cs typeface="Times New Roman" panose="02020603050405020304" charset="0"/>
-              <a:sym typeface="+mn-ea"/>
-            </a:endParaRPr>
           </a:p>
           <a:p>
             <a:r>
@@ -8389,11 +8272,6 @@
               </a:rPr>
               <a:t>PRINT x3</a:t>
             </a:r>
-            <a:endParaRPr lang="en-US" sz="2300">
-              <a:latin typeface="Times New Roman" panose="02020603050405020304" charset="0"/>
-              <a:cs typeface="Times New Roman" panose="02020603050405020304" charset="0"/>
-              <a:sym typeface="+mn-ea"/>
-            </a:endParaRPr>
           </a:p>
         </p:txBody>
       </p:sp>
@@ -8430,7 +8308,14 @@
         <p:cNvGrpSpPr/>
         <p:nvPr/>
       </p:nvGrpSpPr>
-      <p:grpSpPr/>
+      <p:grpSpPr>
+        <a:xfrm>
+          <a:off x="0" y="0"/>
+          <a:ext cx="0" cy="0"/>
+          <a:chOff x="0" y="0"/>
+          <a:chExt cx="0" cy="0"/>
+        </a:xfrm>
+      </p:grpSpPr>
       <p:sp>
         <p:nvSpPr>
           <p:cNvPr id="3" name="Content Placeholder 2"/>
@@ -8454,6 +8339,7 @@
         </p:spPr>
         <p:txBody>
           <a:bodyPr/>
+          <a:lstStyle/>
           <a:p>
             <a:endParaRPr lang="en-US"/>
           </a:p>
@@ -8508,13 +8394,13 @@
         </p:style>
         <p:txBody>
           <a:bodyPr rtlCol="0" anchor="ctr"/>
+          <a:lstStyle/>
           <a:p>
             <a:pPr algn="ctr"/>
             <a:r>
               <a:rPr lang="en-US"/>
               <a:t>START</a:t>
             </a:r>
-            <a:endParaRPr lang="en-US"/>
           </a:p>
         </p:txBody>
       </p:sp>
@@ -8641,13 +8527,13 @@
         </p:style>
         <p:txBody>
           <a:bodyPr rtlCol="0" anchor="ctr"/>
+          <a:lstStyle/>
           <a:p>
             <a:pPr algn="ctr"/>
             <a:r>
               <a:rPr lang="en-US"/>
               <a:t>Print x1,x2,x3</a:t>
             </a:r>
-            <a:endParaRPr lang="en-US"/>
           </a:p>
         </p:txBody>
       </p:sp>
@@ -8700,13 +8586,13 @@
         </p:style>
         <p:txBody>
           <a:bodyPr rtlCol="0" anchor="ctr"/>
+          <a:lstStyle/>
           <a:p>
             <a:pPr algn="ctr"/>
             <a:r>
               <a:rPr lang="en-US"/>
               <a:t>END</a:t>
             </a:r>
-            <a:endParaRPr lang="en-US"/>
           </a:p>
         </p:txBody>
       </p:sp>
@@ -8759,6 +8645,7 @@
         </p:style>
         <p:txBody>
           <a:bodyPr rtlCol="0" anchor="ctr"/>
+          <a:lstStyle/>
           <a:p>
             <a:pPr algn="ctr"/>
             <a:r>
@@ -8856,6 +8743,7 @@
         </p:style>
         <p:txBody>
           <a:bodyPr rtlCol="0" anchor="ctr"/>
+          <a:lstStyle/>
           <a:p>
             <a:pPr algn="ctr"/>
             <a:r>
@@ -8874,9 +8762,6 @@
               </a:rPr>
               <a:t>a2 = c/a</a:t>
             </a:r>
-            <a:endParaRPr lang="en-US">
-              <a:sym typeface="+mn-ea"/>
-            </a:endParaRPr>
           </a:p>
           <a:p>
             <a:pPr algn="ctr"/>
@@ -8975,6 +8860,7 @@
         </p:style>
         <p:txBody>
           <a:bodyPr rtlCol="0" anchor="ctr"/>
+          <a:lstStyle/>
           <a:p>
             <a:pPr algn="ctr"/>
             <a:r>
@@ -9036,6 +8922,7 @@
         </p:style>
         <p:txBody>
           <a:bodyPr rtlCol="0" anchor="ctr"/>
+          <a:lstStyle/>
           <a:p>
             <a:pPr algn="ctr"/>
             <a:r>
@@ -9097,6 +8984,7 @@
         </p:style>
         <p:txBody>
           <a:bodyPr rtlCol="0" anchor="ctr"/>
+          <a:lstStyle/>
           <a:p>
             <a:pPr algn="ctr"/>
             <a:r>
@@ -9234,6 +9122,7 @@
         </p:style>
         <p:txBody>
           <a:bodyPr rtlCol="0" anchor="ctr"/>
+          <a:lstStyle/>
           <a:p>
             <a:pPr algn="ctr"/>
             <a:r>
@@ -9403,6 +9292,7 @@
         </p:style>
         <p:txBody>
           <a:bodyPr rtlCol="0" anchor="ctr"/>
+          <a:lstStyle/>
           <a:p>
             <a:pPr algn="ctr"/>
             <a:r>
@@ -9500,6 +9390,7 @@
         </p:style>
         <p:txBody>
           <a:bodyPr rtlCol="0" anchor="ctr"/>
+          <a:lstStyle/>
           <a:p>
             <a:pPr algn="ctr"/>
             <a:r>
@@ -9597,6 +9488,7 @@
         </p:style>
         <p:txBody>
           <a:bodyPr rtlCol="0" anchor="ctr"/>
+          <a:lstStyle/>
           <a:p>
             <a:pPr algn="ctr"/>
             <a:r>
@@ -9626,7 +9518,14 @@
         <p:cNvGrpSpPr/>
         <p:nvPr/>
       </p:nvGrpSpPr>
-      <p:grpSpPr/>
+      <p:grpSpPr>
+        <a:xfrm>
+          <a:off x="0" y="0"/>
+          <a:ext cx="0" cy="0"/>
+          <a:chOff x="0" y="0"/>
+          <a:chExt cx="0" cy="0"/>
+        </a:xfrm>
+      </p:grpSpPr>
       <p:sp>
         <p:nvSpPr>
           <p:cNvPr id="4" name="Title 3"/>
@@ -9645,6 +9544,7 @@
         </p:spPr>
         <p:txBody>
           <a:bodyPr/>
+          <a:lstStyle/>
           <a:p>
             <a:r>
               <a:rPr lang="en-US">
@@ -9677,34 +9577,6 @@
               </a:rPr>
               <a:t>Alogorithm to find the largest of three numbers</a:t>
             </a:r>
-            <a:endParaRPr lang="en-US">
-              <a:ln w="12700">
-                <a:solidFill>
-                  <a:schemeClr val="tx2">
-                    <a:lumMod val="75000"/>
-                  </a:schemeClr>
-                </a:solidFill>
-                <a:prstDash val="solid"/>
-              </a:ln>
-              <a:pattFill prst="dkUpDiag">
-                <a:fgClr>
-                  <a:schemeClr val="tx2"/>
-                </a:fgClr>
-                <a:bgClr>
-                  <a:schemeClr val="tx2">
-                    <a:lumMod val="20000"/>
-                    <a:lumOff val="80000"/>
-                  </a:schemeClr>
-                </a:bgClr>
-              </a:pattFill>
-              <a:effectLst>
-                <a:outerShdw dist="38100" dir="2640000" algn="bl" rotWithShape="0">
-                  <a:schemeClr val="tx2">
-                    <a:lumMod val="75000"/>
-                  </a:schemeClr>
-                </a:outerShdw>
-              </a:effectLst>
-            </a:endParaRPr>
           </a:p>
         </p:txBody>
       </p:sp>
@@ -9725,7 +9597,14 @@
         <p:cNvGrpSpPr/>
         <p:nvPr/>
       </p:nvGrpSpPr>
-      <p:grpSpPr/>
+      <p:grpSpPr>
+        <a:xfrm>
+          <a:off x="0" y="0"/>
+          <a:ext cx="0" cy="0"/>
+          <a:chOff x="0" y="0"/>
+          <a:chExt cx="0" cy="0"/>
+        </a:xfrm>
+      </p:grpSpPr>
       <p:sp>
         <p:nvSpPr>
           <p:cNvPr id="3" name="Content Placeholder 2"/>
@@ -9757,6 +9636,7 @@
         </p:spPr>
         <p:txBody>
           <a:bodyPr/>
+          <a:lstStyle/>
           <a:p>
             <a:r>
               <a:rPr lang="en-US">
@@ -9765,10 +9645,6 @@
               </a:rPr>
               <a:t>INPUT a,b,c</a:t>
             </a:r>
-            <a:endParaRPr lang="en-US">
-              <a:latin typeface="Times New Roman" panose="02020603050405020304" charset="0"/>
-              <a:cs typeface="Times New Roman" panose="02020603050405020304" charset="0"/>
-            </a:endParaRPr>
           </a:p>
           <a:p>
             <a:r>
@@ -9778,10 +9654,6 @@
               </a:rPr>
               <a:t>IF a&gt;b and a&gt;c THEN</a:t>
             </a:r>
-            <a:endParaRPr lang="en-US">
-              <a:latin typeface="Times New Roman" panose="02020603050405020304" charset="0"/>
-              <a:cs typeface="Times New Roman" panose="02020603050405020304" charset="0"/>
-            </a:endParaRPr>
           </a:p>
           <a:p>
             <a:pPr marL="0" indent="0">
@@ -9794,10 +9666,6 @@
               </a:rPr>
               <a:t>	PRINT a</a:t>
             </a:r>
-            <a:endParaRPr lang="en-US">
-              <a:latin typeface="Times New Roman" panose="02020603050405020304" charset="0"/>
-              <a:cs typeface="Times New Roman" panose="02020603050405020304" charset="0"/>
-            </a:endParaRPr>
           </a:p>
           <a:p>
             <a:r>
@@ -9807,10 +9675,6 @@
               </a:rPr>
               <a:t>ELSE IF b&gt;a and b&gt;c THEN</a:t>
             </a:r>
-            <a:endParaRPr lang="en-US">
-              <a:latin typeface="Times New Roman" panose="02020603050405020304" charset="0"/>
-              <a:cs typeface="Times New Roman" panose="02020603050405020304" charset="0"/>
-            </a:endParaRPr>
           </a:p>
           <a:p>
             <a:pPr marL="0" indent="0">
@@ -9823,10 +9687,6 @@
               </a:rPr>
               <a:t>	PRINT b</a:t>
             </a:r>
-            <a:endParaRPr lang="en-US">
-              <a:latin typeface="Times New Roman" panose="02020603050405020304" charset="0"/>
-              <a:cs typeface="Times New Roman" panose="02020603050405020304" charset="0"/>
-            </a:endParaRPr>
           </a:p>
           <a:p>
             <a:pPr marL="0" indent="0">
@@ -9839,10 +9699,6 @@
               </a:rPr>
               <a:t>ELSE</a:t>
             </a:r>
-            <a:endParaRPr lang="en-US">
-              <a:latin typeface="Times New Roman" panose="02020603050405020304" charset="0"/>
-              <a:cs typeface="Times New Roman" panose="02020603050405020304" charset="0"/>
-            </a:endParaRPr>
           </a:p>
           <a:p>
             <a:pPr marL="0" indent="0">
@@ -9855,10 +9711,6 @@
               </a:rPr>
               <a:t>	PRINT c</a:t>
             </a:r>
-            <a:endParaRPr lang="en-US">
-              <a:latin typeface="Times New Roman" panose="02020603050405020304" charset="0"/>
-              <a:cs typeface="Times New Roman" panose="02020603050405020304" charset="0"/>
-            </a:endParaRPr>
           </a:p>
           <a:p>
             <a:pPr marL="0" indent="0">
@@ -9871,10 +9723,6 @@
               </a:rPr>
               <a:t>ENDIF</a:t>
             </a:r>
-            <a:endParaRPr lang="en-US">
-              <a:latin typeface="Times New Roman" panose="02020603050405020304" charset="0"/>
-              <a:cs typeface="Times New Roman" panose="02020603050405020304" charset="0"/>
-            </a:endParaRPr>
           </a:p>
         </p:txBody>
       </p:sp>
@@ -9895,7 +9743,14 @@
         <p:cNvGrpSpPr/>
         <p:nvPr/>
       </p:nvGrpSpPr>
-      <p:grpSpPr/>
+      <p:grpSpPr>
+        <a:xfrm>
+          <a:off x="0" y="0"/>
+          <a:ext cx="0" cy="0"/>
+          <a:chOff x="0" y="0"/>
+          <a:chExt cx="0" cy="0"/>
+        </a:xfrm>
+      </p:grpSpPr>
       <p:sp>
         <p:nvSpPr>
           <p:cNvPr id="3" name="Content Placeholder 2"/>
@@ -9930,6 +9785,7 @@
         </p:spPr>
         <p:txBody>
           <a:bodyPr/>
+          <a:lstStyle/>
           <a:p>
             <a:pPr marL="0" indent="0">
               <a:buNone/>
@@ -9987,13 +9843,13 @@
         </p:style>
         <p:txBody>
           <a:bodyPr rtlCol="0" anchor="ctr"/>
+          <a:lstStyle/>
           <a:p>
             <a:pPr algn="ctr"/>
             <a:r>
               <a:rPr lang="en-US"/>
               <a:t>START</a:t>
             </a:r>
-            <a:endParaRPr lang="en-US"/>
           </a:p>
         </p:txBody>
       </p:sp>
@@ -10196,13 +10052,13 @@
         </p:style>
         <p:txBody>
           <a:bodyPr rtlCol="0" anchor="ctr"/>
+          <a:lstStyle/>
           <a:p>
             <a:pPr algn="ctr"/>
             <a:r>
               <a:rPr lang="en-US"/>
               <a:t>Input a,b,c</a:t>
             </a:r>
-            <a:endParaRPr lang="en-US"/>
           </a:p>
         </p:txBody>
       </p:sp>
@@ -10255,13 +10111,13 @@
         </p:style>
         <p:txBody>
           <a:bodyPr rtlCol="0" anchor="ctr"/>
+          <a:lstStyle/>
           <a:p>
             <a:pPr algn="ctr"/>
             <a:r>
               <a:rPr lang="en-US"/>
               <a:t>Is b&gt;a and b&gt;c</a:t>
             </a:r>
-            <a:endParaRPr lang="en-US"/>
           </a:p>
         </p:txBody>
       </p:sp>
@@ -10314,13 +10170,13 @@
         </p:style>
         <p:txBody>
           <a:bodyPr rtlCol="0" anchor="ctr"/>
+          <a:lstStyle/>
           <a:p>
             <a:pPr algn="ctr"/>
             <a:r>
               <a:rPr lang="en-US"/>
               <a:t>Is a&gt;b and a&gt;c</a:t>
             </a:r>
-            <a:endParaRPr lang="en-US"/>
           </a:p>
         </p:txBody>
       </p:sp>
@@ -10445,13 +10301,13 @@
         </p:style>
         <p:txBody>
           <a:bodyPr rtlCol="0" anchor="ctr"/>
+          <a:lstStyle/>
           <a:p>
             <a:pPr algn="ctr"/>
             <a:r>
               <a:rPr lang="en-US"/>
               <a:t>Print c</a:t>
             </a:r>
-            <a:endParaRPr lang="en-US"/>
           </a:p>
         </p:txBody>
       </p:sp>
@@ -10504,13 +10360,13 @@
         </p:style>
         <p:txBody>
           <a:bodyPr rtlCol="0" anchor="ctr"/>
+          <a:lstStyle/>
           <a:p>
             <a:pPr algn="ctr"/>
             <a:r>
               <a:rPr lang="en-US"/>
               <a:t>Print a</a:t>
             </a:r>
-            <a:endParaRPr lang="en-US"/>
           </a:p>
         </p:txBody>
       </p:sp>
@@ -10563,13 +10419,13 @@
         </p:style>
         <p:txBody>
           <a:bodyPr rtlCol="0" anchor="ctr"/>
+          <a:lstStyle/>
           <a:p>
             <a:pPr algn="ctr"/>
             <a:r>
               <a:rPr lang="en-US"/>
               <a:t>Print b</a:t>
             </a:r>
-            <a:endParaRPr lang="en-US"/>
           </a:p>
         </p:txBody>
       </p:sp>
@@ -10764,13 +10620,13 @@
         </p:style>
         <p:txBody>
           <a:bodyPr rtlCol="0" anchor="ctr"/>
+          <a:lstStyle/>
           <a:p>
             <a:pPr algn="ctr"/>
             <a:r>
               <a:rPr lang="en-US"/>
               <a:t>END</a:t>
             </a:r>
-            <a:endParaRPr lang="en-US"/>
           </a:p>
         </p:txBody>
       </p:sp>
@@ -10833,12 +10689,12 @@
           <a:bodyPr wrap="square" rtlCol="0">
             <a:spAutoFit/>
           </a:bodyPr>
+          <a:lstStyle/>
           <a:p>
             <a:r>
               <a:rPr lang="en-US"/>
               <a:t>YES</a:t>
             </a:r>
-            <a:endParaRPr lang="en-US"/>
           </a:p>
         </p:txBody>
       </p:sp>
@@ -10865,12 +10721,12 @@
           <a:bodyPr wrap="square" rtlCol="0">
             <a:spAutoFit/>
           </a:bodyPr>
+          <a:lstStyle/>
           <a:p>
             <a:r>
               <a:rPr lang="en-US"/>
               <a:t>YES</a:t>
             </a:r>
-            <a:endParaRPr lang="en-US"/>
           </a:p>
         </p:txBody>
       </p:sp>
@@ -10897,12 +10753,12 @@
           <a:bodyPr wrap="square" rtlCol="0">
             <a:spAutoFit/>
           </a:bodyPr>
+          <a:lstStyle/>
           <a:p>
             <a:r>
               <a:rPr lang="en-US"/>
               <a:t>NO</a:t>
             </a:r>
-            <a:endParaRPr lang="en-US"/>
           </a:p>
         </p:txBody>
       </p:sp>
@@ -10929,12 +10785,12 @@
           <a:bodyPr wrap="square" rtlCol="0">
             <a:spAutoFit/>
           </a:bodyPr>
+          <a:lstStyle/>
           <a:p>
             <a:r>
               <a:rPr lang="en-US"/>
               <a:t>NO</a:t>
             </a:r>
-            <a:endParaRPr lang="en-US"/>
           </a:p>
         </p:txBody>
       </p:sp>
@@ -11197,6 +11053,8 @@
       </a:bgFillStyleLst>
     </a:fmtScheme>
   </a:themeElements>
+  <a:objectDefaults/>
+  <a:extraClrSchemeLst/>
   <a:extLst>
     <a:ext uri="{05A4C25C-085E-4340-85A3-A5531E510DB2}">
       <thm15:themeFamily xmlns:thm15="http://schemas.microsoft.com/office/thememl/2012/main" name="Office Theme" id="{62F939B6-93AF-4DB8-9C6B-D6C7DFDC589F}" vid="{4A3C46E8-61CC-4603-A589-7422A47A8E4A}"/>
